--- a/SegNet_A Deep Convolutional Encoder-Decoder Architecture for Image Segmentation_논문정리.pptx
+++ b/SegNet_A Deep Convolutional Encoder-Decoder Architecture for Image Segmentation_논문정리.pptx
@@ -15,6 +15,7 @@
     <p:sldId id="266" r:id="rId9"/>
     <p:sldId id="267" r:id="rId10"/>
     <p:sldId id="268" r:id="rId11"/>
+    <p:sldId id="269" r:id="rId12"/>
   </p:sldIdLst>
   <p:sldSz cx="9144000" cy="6858000" type="screen4x3"/>
   <p:notesSz cx="6858000" cy="9144000"/>
@@ -8814,6 +8815,461 @@
 </p:sld>
 </file>
 
+<file path=ppt/slides/slide10.xml><?xml version="1.0" encoding="utf-8"?>
+<p:sld xmlns:a="http://schemas.openxmlformats.org/drawingml/2006/main" xmlns:r="http://schemas.openxmlformats.org/officeDocument/2006/relationships" xmlns:p="http://schemas.openxmlformats.org/presentationml/2006/main">
+  <p:cSld>
+    <p:spTree>
+      <p:nvGrpSpPr>
+        <p:cNvPr id="1" name=""/>
+        <p:cNvGrpSpPr/>
+        <p:nvPr/>
+      </p:nvGrpSpPr>
+      <p:grpSpPr>
+        <a:xfrm>
+          <a:off x="0" y="0"/>
+          <a:ext cx="0" cy="0"/>
+          <a:chOff x="0" y="0"/>
+          <a:chExt cx="0" cy="0"/>
+        </a:xfrm>
+      </p:grpSpPr>
+      <p:sp>
+        <p:nvSpPr>
+          <p:cNvPr id="4" name="텍스트 개체 틀 3"/>
+          <p:cNvSpPr>
+            <a:spLocks noGrp="1"/>
+          </p:cNvSpPr>
+          <p:nvPr>
+            <p:ph type="body" sz="quarter" idx="12"/>
+          </p:nvPr>
+        </p:nvSpPr>
+        <p:spPr/>
+        <p:txBody>
+          <a:bodyPr/>
+          <a:lstStyle/>
+          <a:p>
+            <a:r>
+              <a:rPr lang="en-US" altLang="ko-KR" dirty="0" smtClean="0"/>
+              <a:t>Contributions(V</a:t>
+            </a:r>
+            <a:r>
+              <a:rPr lang="en-US" altLang="ko-KR" dirty="0" smtClean="0"/>
+              <a:t>)</a:t>
+            </a:r>
+            <a:endParaRPr lang="ko-KR" altLang="en-US" dirty="0"/>
+          </a:p>
+        </p:txBody>
+      </p:sp>
+      <p:sp>
+        <p:nvSpPr>
+          <p:cNvPr id="2" name="내용 개체 틀 1"/>
+          <p:cNvSpPr>
+            <a:spLocks noGrp="1"/>
+          </p:cNvSpPr>
+          <p:nvPr>
+            <p:ph sz="half" idx="10"/>
+          </p:nvPr>
+        </p:nvSpPr>
+        <p:spPr/>
+        <p:txBody>
+          <a:bodyPr/>
+          <a:lstStyle/>
+          <a:p>
+            <a:pPr lvl="1">
+              <a:buSzPct val="100000"/>
+            </a:pPr>
+            <a:r>
+              <a:rPr lang="en-US" altLang="ko-KR" dirty="0" err="1" smtClean="0"/>
+              <a:t>SegNet</a:t>
+            </a:r>
+            <a:r>
+              <a:rPr lang="en-US" altLang="ko-KR" dirty="0" smtClean="0"/>
+              <a:t>-Basic</a:t>
+            </a:r>
+            <a:r>
+              <a:rPr lang="ko-KR" altLang="en-US" dirty="0"/>
+              <a:t> </a:t>
+            </a:r>
+            <a:r>
+              <a:rPr lang="en-US" altLang="ko-KR" dirty="0" smtClean="0"/>
+              <a:t>&amp;</a:t>
+            </a:r>
+            <a:r>
+              <a:rPr lang="ko-KR" altLang="en-US" dirty="0" smtClean="0"/>
+              <a:t> </a:t>
+            </a:r>
+            <a:r>
+              <a:rPr lang="en-US" altLang="ko-KR" dirty="0"/>
+              <a:t>FCN-Basic</a:t>
+            </a:r>
+          </a:p>
+          <a:p>
+            <a:pPr lvl="2">
+              <a:buSzPct val="100000"/>
+            </a:pPr>
+            <a:r>
+              <a:rPr lang="ko-KR" altLang="en-US" dirty="0"/>
+              <a:t>성능은 비슷한 수준이지만 </a:t>
+            </a:r>
+            <a:r>
+              <a:rPr lang="en-US" altLang="ko-KR" dirty="0"/>
+              <a:t>parameter</a:t>
+            </a:r>
+            <a:r>
+              <a:rPr lang="ko-KR" altLang="en-US" dirty="0"/>
+              <a:t>수에서 </a:t>
+            </a:r>
+            <a:r>
+              <a:rPr lang="en-US" altLang="ko-KR" dirty="0" err="1"/>
+              <a:t>SegNet</a:t>
+            </a:r>
+            <a:r>
+              <a:rPr lang="ko-KR" altLang="en-US" dirty="0"/>
+              <a:t>이 훨씬 적은 결과가 도출되었고</a:t>
+            </a:r>
+            <a:r>
+              <a:rPr lang="en-US" altLang="ko-KR" dirty="0"/>
+              <a:t>,</a:t>
+            </a:r>
+            <a:r>
+              <a:rPr lang="ko-KR" altLang="en-US" dirty="0"/>
+              <a:t> </a:t>
+            </a:r>
+            <a:r>
+              <a:rPr lang="en-US" altLang="ko-KR" dirty="0"/>
+              <a:t>memory</a:t>
+            </a:r>
+            <a:r>
+              <a:rPr lang="ko-KR" altLang="en-US" dirty="0"/>
+              <a:t>측면에서 </a:t>
+            </a:r>
+            <a:r>
+              <a:rPr lang="en-US" altLang="ko-KR" dirty="0" err="1"/>
+              <a:t>SegNet</a:t>
+            </a:r>
+            <a:r>
+              <a:rPr lang="ko-KR" altLang="en-US" dirty="0"/>
+              <a:t>의 효율이 </a:t>
+            </a:r>
+            <a:r>
+              <a:rPr lang="ko-KR" altLang="en-US" dirty="0" smtClean="0"/>
+              <a:t>높음</a:t>
+            </a:r>
+            <a:endParaRPr lang="en-US" altLang="ko-KR" dirty="0" smtClean="0"/>
+          </a:p>
+          <a:p>
+            <a:pPr lvl="2">
+              <a:buSzPct val="100000"/>
+            </a:pPr>
+            <a:r>
+              <a:rPr lang="en-US" altLang="ko-KR" dirty="0" err="1" smtClean="0"/>
+              <a:t>SegNet</a:t>
+            </a:r>
+            <a:r>
+              <a:rPr lang="ko-KR" altLang="en-US" dirty="0" smtClean="0"/>
+              <a:t>은 </a:t>
+            </a:r>
+            <a:r>
+              <a:rPr lang="en-US" altLang="ko-KR" dirty="0" smtClean="0"/>
+              <a:t>decoder</a:t>
+            </a:r>
+            <a:r>
+              <a:rPr lang="ko-KR" altLang="en-US" dirty="0" smtClean="0"/>
+              <a:t>의 </a:t>
+            </a:r>
+            <a:r>
+              <a:rPr lang="en-US" altLang="ko-KR" dirty="0" smtClean="0"/>
+              <a:t>feature map</a:t>
+            </a:r>
+            <a:r>
+              <a:rPr lang="ko-KR" altLang="en-US" dirty="0" smtClean="0"/>
+              <a:t>이 </a:t>
+            </a:r>
+            <a:r>
+              <a:rPr lang="en-US" altLang="ko-KR" dirty="0" smtClean="0"/>
+              <a:t>64</a:t>
+            </a:r>
+            <a:r>
+              <a:rPr lang="ko-KR" altLang="en-US" dirty="0" smtClean="0"/>
+              <a:t>개이고 </a:t>
+            </a:r>
+            <a:r>
+              <a:rPr lang="en-US" altLang="ko-KR" dirty="0" smtClean="0"/>
+              <a:t>FCN</a:t>
+            </a:r>
+            <a:r>
+              <a:rPr lang="ko-KR" altLang="en-US" dirty="0" smtClean="0"/>
+              <a:t>은 </a:t>
+            </a:r>
+            <a:r>
+              <a:rPr lang="en-US" altLang="ko-KR" dirty="0" smtClean="0"/>
+              <a:t>dimensionality Reduction</a:t>
+            </a:r>
+            <a:r>
+              <a:rPr lang="ko-KR" altLang="en-US" dirty="0" smtClean="0"/>
+              <a:t>을 사용하여 </a:t>
+            </a:r>
+            <a:r>
+              <a:rPr lang="en-US" altLang="ko-KR" dirty="0" smtClean="0"/>
+              <a:t>feature map</a:t>
+            </a:r>
+            <a:r>
+              <a:rPr lang="ko-KR" altLang="en-US" dirty="0" smtClean="0"/>
+              <a:t>의 수가 적음</a:t>
+            </a:r>
+            <a:endParaRPr lang="en-US" altLang="ko-KR" dirty="0"/>
+          </a:p>
+          <a:p>
+            <a:pPr lvl="2">
+              <a:buSzPct val="100000"/>
+            </a:pPr>
+            <a:r>
+              <a:rPr lang="ko-KR" altLang="en-US" dirty="0" smtClean="0"/>
+              <a:t>그에 따라 </a:t>
+            </a:r>
+            <a:r>
+              <a:rPr lang="en-US" altLang="ko-KR" dirty="0" smtClean="0"/>
+              <a:t>FCN-Basic</a:t>
+            </a:r>
+            <a:r>
+              <a:rPr lang="ko-KR" altLang="en-US" dirty="0" smtClean="0"/>
+              <a:t>이 </a:t>
+            </a:r>
+            <a:r>
+              <a:rPr lang="en-US" altLang="ko-KR" dirty="0" smtClean="0"/>
+              <a:t>forward pass</a:t>
+            </a:r>
+            <a:r>
+              <a:rPr lang="ko-KR" altLang="en-US" dirty="0" smtClean="0"/>
+              <a:t>인 </a:t>
+            </a:r>
+            <a:r>
+              <a:rPr lang="en-US" altLang="ko-KR" dirty="0" smtClean="0"/>
+              <a:t>inference</a:t>
+            </a:r>
+            <a:r>
+              <a:rPr lang="ko-KR" altLang="en-US" dirty="0" smtClean="0"/>
+              <a:t>에서 속도가 더 빠름</a:t>
+            </a:r>
+            <a:endParaRPr lang="en-US" altLang="ko-KR" dirty="0" smtClean="0"/>
+          </a:p>
+          <a:p>
+            <a:pPr lvl="2">
+              <a:buSzPct val="100000"/>
+            </a:pPr>
+            <a:r>
+              <a:rPr lang="ko-KR" altLang="en-US" dirty="0" smtClean="0"/>
+              <a:t>다른 관점으로</a:t>
+            </a:r>
+            <a:r>
+              <a:rPr lang="en-US" altLang="ko-KR" dirty="0" smtClean="0"/>
+              <a:t>, </a:t>
+            </a:r>
+            <a:r>
+              <a:rPr lang="en-US" altLang="ko-KR" dirty="0" err="1" smtClean="0"/>
+              <a:t>SegNet</a:t>
+            </a:r>
+            <a:r>
+              <a:rPr lang="ko-KR" altLang="en-US" dirty="0" smtClean="0"/>
+              <a:t>의 </a:t>
+            </a:r>
+            <a:r>
+              <a:rPr lang="en-US" altLang="ko-KR" dirty="0" smtClean="0"/>
+              <a:t>decoder network</a:t>
+            </a:r>
+            <a:r>
+              <a:rPr lang="ko-KR" altLang="en-US" dirty="0" smtClean="0"/>
+              <a:t>가 더 크기 때문에 </a:t>
+            </a:r>
+            <a:r>
+              <a:rPr lang="en-US" altLang="ko-KR" dirty="0" smtClean="0"/>
+              <a:t>FCN-Basic</a:t>
+            </a:r>
+            <a:r>
+              <a:rPr lang="ko-KR" altLang="en-US" dirty="0" smtClean="0"/>
+              <a:t>보다 더 정확한 결과를 얻을  수 있음</a:t>
+            </a:r>
+            <a:endParaRPr lang="en-US" altLang="ko-KR" dirty="0" smtClean="0"/>
+          </a:p>
+          <a:p>
+            <a:pPr lvl="1">
+              <a:buSzPct val="100000"/>
+            </a:pPr>
+            <a:r>
+              <a:rPr lang="en-US" altLang="ko-KR" dirty="0" err="1" smtClean="0"/>
+              <a:t>SegNet</a:t>
+            </a:r>
+            <a:r>
+              <a:rPr lang="en-US" altLang="ko-KR" dirty="0" smtClean="0"/>
+              <a:t>-Basic &amp; FCN-Basic-</a:t>
+            </a:r>
+            <a:r>
+              <a:rPr lang="en-US" altLang="ko-KR" dirty="0" err="1" smtClean="0"/>
+              <a:t>NoAddition</a:t>
+            </a:r>
+            <a:r>
+              <a:rPr lang="en-US" altLang="ko-KR" dirty="0" smtClean="0"/>
+              <a:t>-</a:t>
+            </a:r>
+            <a:r>
+              <a:rPr lang="en-US" altLang="ko-KR" dirty="0" err="1" smtClean="0"/>
+              <a:t>NoDimReduction</a:t>
+            </a:r>
+            <a:endParaRPr lang="en-US" altLang="ko-KR" dirty="0" smtClean="0"/>
+          </a:p>
+          <a:p>
+            <a:pPr lvl="2">
+              <a:buSzPct val="100000"/>
+            </a:pPr>
+            <a:r>
+              <a:rPr lang="en-US" altLang="ko-KR" dirty="0" smtClean="0"/>
+              <a:t>Decoder </a:t>
+            </a:r>
+            <a:r>
+              <a:rPr lang="ko-KR" altLang="en-US" dirty="0" smtClean="0"/>
+              <a:t>크기가 후자가 전자보다 더 크지만 같은 </a:t>
+            </a:r>
+            <a:r>
+              <a:rPr lang="ko-KR" altLang="en-US" dirty="0" err="1" smtClean="0"/>
+              <a:t>에폭에서</a:t>
+            </a:r>
+            <a:r>
+              <a:rPr lang="ko-KR" altLang="en-US" dirty="0" smtClean="0"/>
+              <a:t> 전자의 정확도가 더 높음</a:t>
+            </a:r>
+            <a:endParaRPr lang="en-US" altLang="ko-KR" dirty="0" smtClean="0"/>
+          </a:p>
+          <a:p>
+            <a:pPr lvl="2">
+              <a:buSzPct val="100000"/>
+            </a:pPr>
+            <a:r>
+              <a:rPr lang="ko-KR" altLang="en-US" dirty="0" smtClean="0"/>
+              <a:t>결론적으로</a:t>
+            </a:r>
+            <a:r>
+              <a:rPr lang="en-US" altLang="ko-KR" dirty="0" smtClean="0"/>
+              <a:t>,</a:t>
+            </a:r>
+            <a:r>
+              <a:rPr lang="ko-KR" altLang="en-US" dirty="0" smtClean="0"/>
+              <a:t> 더 큰 </a:t>
+            </a:r>
+            <a:r>
+              <a:rPr lang="en-US" altLang="ko-KR" dirty="0" smtClean="0"/>
+              <a:t>decoder</a:t>
+            </a:r>
+            <a:r>
+              <a:rPr lang="ko-KR" altLang="en-US" dirty="0" smtClean="0"/>
+              <a:t>가 항상 높은 정확도에 기여하는 것이 아니라</a:t>
+            </a:r>
+            <a:r>
+              <a:rPr lang="en-US" altLang="ko-KR" dirty="0"/>
+              <a:t> </a:t>
+            </a:r>
+            <a:r>
+              <a:rPr lang="en-US" altLang="ko-KR" dirty="0" smtClean="0"/>
+              <a:t>encoder</a:t>
+            </a:r>
+            <a:r>
+              <a:rPr lang="ko-KR" altLang="en-US" dirty="0" smtClean="0"/>
+              <a:t>의 결과 </a:t>
+            </a:r>
+            <a:r>
+              <a:rPr lang="en-US" altLang="ko-KR" dirty="0" smtClean="0"/>
+              <a:t>feature map</a:t>
+            </a:r>
+            <a:r>
+              <a:rPr lang="ko-KR" altLang="en-US" dirty="0" smtClean="0"/>
+              <a:t>이 올바르게 추출되는 것도 중요함</a:t>
+            </a:r>
+            <a:r>
+              <a:rPr lang="en-US" altLang="ko-KR" dirty="0" smtClean="0"/>
+              <a:t>.</a:t>
+            </a:r>
+          </a:p>
+          <a:p>
+            <a:pPr lvl="2">
+              <a:buSzPct val="100000"/>
+            </a:pPr>
+            <a:r>
+              <a:rPr lang="ko-KR" altLang="en-US" dirty="0" smtClean="0"/>
+              <a:t>이는 </a:t>
+            </a:r>
+            <a:r>
+              <a:rPr lang="en-US" altLang="ko-KR" dirty="0" smtClean="0"/>
+              <a:t>FCN-Basic-</a:t>
+            </a:r>
+            <a:r>
+              <a:rPr lang="en-US" altLang="ko-KR" dirty="0" err="1" smtClean="0"/>
+              <a:t>NoAddition</a:t>
+            </a:r>
+            <a:r>
+              <a:rPr lang="ko-KR" altLang="en-US" dirty="0" smtClean="0"/>
+              <a:t>과 </a:t>
+            </a:r>
+            <a:r>
+              <a:rPr lang="en-US" altLang="ko-KR" dirty="0" smtClean="0"/>
+              <a:t>FCN-Basic</a:t>
+            </a:r>
+            <a:r>
+              <a:rPr lang="ko-KR" altLang="en-US" dirty="0" smtClean="0"/>
+              <a:t>을 비교했을 때</a:t>
+            </a:r>
+            <a:r>
+              <a:rPr lang="en-US" altLang="ko-KR" dirty="0" smtClean="0"/>
+              <a:t>, FCN-Basic</a:t>
+            </a:r>
+            <a:r>
+              <a:rPr lang="ko-KR" altLang="en-US" dirty="0" smtClean="0"/>
+              <a:t>의 정확도가 더 좋은 결과의 원인에도 해당함</a:t>
+            </a:r>
+            <a:endParaRPr lang="en-US" altLang="ko-KR" dirty="0" smtClean="0"/>
+          </a:p>
+          <a:p>
+            <a:pPr lvl="1">
+              <a:buSzPct val="100000"/>
+            </a:pPr>
+            <a:endParaRPr lang="en-US" altLang="ko-KR" dirty="0" smtClean="0"/>
+          </a:p>
+          <a:p>
+            <a:pPr lvl="2">
+              <a:buSzPct val="100000"/>
+            </a:pPr>
+            <a:endParaRPr lang="en-US" altLang="ko-KR" dirty="0"/>
+          </a:p>
+          <a:p>
+            <a:pPr lvl="1">
+              <a:buSzPct val="100000"/>
+            </a:pPr>
+            <a:endParaRPr lang="ko-KR" altLang="en-US" dirty="0"/>
+          </a:p>
+        </p:txBody>
+      </p:sp>
+    </p:spTree>
+    <p:extLst>
+      <p:ext uri="{BB962C8B-B14F-4D97-AF65-F5344CB8AC3E}">
+        <p14:creationId xmlns:p14="http://schemas.microsoft.com/office/powerpoint/2010/main" val="753101770"/>
+      </p:ext>
+    </p:extLst>
+  </p:cSld>
+  <p:clrMapOvr>
+    <a:masterClrMapping/>
+  </p:clrMapOvr>
+  <mc:AlternateContent xmlns:mc="http://schemas.openxmlformats.org/markup-compatibility/2006" xmlns:p14="http://schemas.microsoft.com/office/powerpoint/2010/main">
+    <mc:Choice Requires="p14">
+      <p:transition p14:dur="300">
+        <p:fade/>
+      </p:transition>
+    </mc:Choice>
+    <mc:Fallback xmlns="">
+      <p:transition>
+        <p:fade/>
+      </p:transition>
+    </mc:Fallback>
+  </mc:AlternateContent>
+</p:sld>
+</file>
+
 <file path=ppt/slides/slide2.xml><?xml version="1.0" encoding="utf-8"?>
 <p:sld xmlns:a="http://schemas.openxmlformats.org/drawingml/2006/main" xmlns:r="http://schemas.openxmlformats.org/officeDocument/2006/relationships" xmlns:p="http://schemas.openxmlformats.org/presentationml/2006/main">
   <p:cSld>
@@ -9984,11 +10440,7 @@
             </a:r>
             <a:r>
               <a:rPr lang="ko-KR" altLang="en-US" dirty="0" smtClean="0"/>
-              <a:t>이 결과로 </a:t>
-            </a:r>
-            <a:r>
-              <a:rPr lang="ko-KR" altLang="en-US" dirty="0" smtClean="0"/>
-              <a:t>나옴</a:t>
+              <a:t>이 결과로 나옴</a:t>
             </a:r>
             <a:endParaRPr lang="en-US" altLang="ko-KR" dirty="0" smtClean="0"/>
           </a:p>
@@ -11381,9 +11833,17 @@
             </a:lvl9pPr>
           </a:lstStyle>
           <a:p>
-            <a:pPr lvl="1">
+            <a:pPr>
               <a:buSzPct val="100000"/>
             </a:pPr>
+            <a:r>
+              <a:rPr lang="en-US" altLang="ko-KR" dirty="0" smtClean="0"/>
+              <a:t>Decoder </a:t>
+            </a:r>
+            <a:r>
+              <a:rPr lang="ko-KR" altLang="en-US" dirty="0" smtClean="0"/>
+              <a:t>변화 </a:t>
+            </a:r>
             <a:r>
               <a:rPr lang="ko-KR" altLang="en-US" dirty="0" smtClean="0"/>
               <a:t>결과</a:t>
@@ -11427,72 +11887,103 @@
             <a:endParaRPr lang="en-US" altLang="ko-KR" dirty="0" smtClean="0"/>
           </a:p>
           <a:p>
+            <a:pPr lvl="1">
+              <a:buSzPct val="100000"/>
+            </a:pPr>
+            <a:r>
+              <a:rPr lang="en-US" altLang="ko-KR" dirty="0" smtClean="0"/>
+              <a:t>G : Global accuracy – </a:t>
+            </a:r>
+            <a:r>
+              <a:rPr lang="ko-KR" altLang="en-US" dirty="0" smtClean="0"/>
+              <a:t>올바르게 분류된 픽셀 비율</a:t>
+            </a:r>
+            <a:endParaRPr lang="en-US" altLang="ko-KR" dirty="0" smtClean="0"/>
+          </a:p>
+          <a:p>
+            <a:pPr lvl="1">
+              <a:buSzPct val="100000"/>
+            </a:pPr>
+            <a:r>
+              <a:rPr lang="en-US" altLang="ko-KR" dirty="0" smtClean="0"/>
+              <a:t>C : Class </a:t>
+            </a:r>
+            <a:r>
+              <a:rPr lang="en-US" altLang="ko-KR" dirty="0" smtClean="0"/>
+              <a:t>accuracy – </a:t>
+            </a:r>
+            <a:r>
+              <a:rPr lang="ko-KR" altLang="en-US" dirty="0" smtClean="0"/>
+              <a:t>각 </a:t>
+            </a:r>
+            <a:r>
+              <a:rPr lang="en-US" altLang="ko-KR" dirty="0" smtClean="0"/>
+              <a:t>class</a:t>
+            </a:r>
+            <a:r>
+              <a:rPr lang="ko-KR" altLang="en-US" dirty="0" smtClean="0"/>
+              <a:t>의 예측 정확도의 평균</a:t>
+            </a:r>
+            <a:endParaRPr lang="en-US" altLang="ko-KR" dirty="0" smtClean="0"/>
+          </a:p>
+          <a:p>
+            <a:pPr lvl="1">
+              <a:buSzPct val="100000"/>
+            </a:pPr>
+            <a:r>
+              <a:rPr lang="en-US" altLang="ko-KR" dirty="0" err="1" smtClean="0"/>
+              <a:t>mIoU</a:t>
+            </a:r>
+            <a:r>
+              <a:rPr lang="en-US" altLang="ko-KR" dirty="0" smtClean="0"/>
+              <a:t> : Mean of intersection over union</a:t>
+            </a:r>
+          </a:p>
+          <a:p>
+            <a:pPr lvl="1">
+              <a:buSzPct val="100000"/>
+            </a:pPr>
+            <a:r>
+              <a:rPr lang="en-US" altLang="ko-KR" dirty="0" smtClean="0"/>
+              <a:t>BF : Semantic contour </a:t>
+            </a:r>
+            <a:r>
+              <a:rPr lang="en-US" altLang="ko-KR" dirty="0" smtClean="0"/>
+              <a:t>measure using F1 - score</a:t>
+            </a:r>
+          </a:p>
+          <a:p>
+            <a:pPr lvl="1">
+              <a:buSzPct val="100000"/>
+            </a:pPr>
+            <a:r>
+              <a:rPr lang="en-US" altLang="ko-KR" dirty="0" err="1" smtClean="0"/>
+              <a:t>SegNet</a:t>
+            </a:r>
+            <a:r>
+              <a:rPr lang="en-US" altLang="ko-KR" dirty="0" smtClean="0"/>
+              <a:t>-Basic </a:t>
+            </a:r>
+            <a:r>
+              <a:rPr lang="ko-KR" altLang="en-US" dirty="0" smtClean="0"/>
+              <a:t>과 </a:t>
+            </a:r>
+            <a:r>
+              <a:rPr lang="en-US" altLang="ko-KR" dirty="0" smtClean="0"/>
+              <a:t>FCN-Basic</a:t>
+            </a:r>
+          </a:p>
+          <a:p>
             <a:pPr lvl="2">
               <a:buSzPct val="100000"/>
             </a:pPr>
             <a:r>
-              <a:rPr lang="en-US" altLang="ko-KR" dirty="0" smtClean="0"/>
-              <a:t>G : Global accuracy</a:t>
-            </a:r>
-          </a:p>
-          <a:p>
-            <a:pPr lvl="2">
-              <a:buSzPct val="100000"/>
-            </a:pPr>
-            <a:r>
-              <a:rPr lang="en-US" altLang="ko-KR" dirty="0" smtClean="0"/>
-              <a:t>C : Class accuracy</a:t>
-            </a:r>
-          </a:p>
-          <a:p>
-            <a:pPr lvl="2">
-              <a:buSzPct val="100000"/>
-            </a:pPr>
-            <a:r>
-              <a:rPr lang="en-US" altLang="ko-KR" dirty="0" err="1" smtClean="0"/>
-              <a:t>mIoU</a:t>
-            </a:r>
-            <a:r>
-              <a:rPr lang="en-US" altLang="ko-KR" dirty="0" smtClean="0"/>
-              <a:t> : Mean of intersection over union</a:t>
-            </a:r>
-          </a:p>
-          <a:p>
-            <a:pPr lvl="2">
-              <a:buSzPct val="100000"/>
-            </a:pPr>
-            <a:r>
-              <a:rPr lang="en-US" altLang="ko-KR" dirty="0" smtClean="0"/>
-              <a:t>BF : Semantic contour measure</a:t>
-            </a:r>
-          </a:p>
-          <a:p>
-            <a:pPr lvl="2">
-              <a:buSzPct val="100000"/>
-            </a:pPr>
-            <a:r>
-              <a:rPr lang="en-US" altLang="ko-KR" dirty="0" err="1" smtClean="0"/>
-              <a:t>SegNet</a:t>
-            </a:r>
-            <a:r>
-              <a:rPr lang="en-US" altLang="ko-KR" dirty="0" smtClean="0"/>
-              <a:t>-Basic </a:t>
-            </a:r>
-            <a:r>
-              <a:rPr lang="ko-KR" altLang="en-US" dirty="0" smtClean="0"/>
-              <a:t>과 </a:t>
-            </a:r>
-            <a:r>
-              <a:rPr lang="en-US" altLang="ko-KR" dirty="0" smtClean="0"/>
-              <a:t>FCN-Basic</a:t>
-            </a:r>
-            <a:r>
-              <a:rPr lang="ko-KR" altLang="en-US" dirty="0" smtClean="0"/>
-              <a:t>의 성능은 비슷한 수준이지만 </a:t>
-            </a:r>
-            <a:r>
-              <a:rPr lang="en-US" altLang="ko-KR" dirty="0" err="1" smtClean="0"/>
-              <a:t>parmeter</a:t>
+              <a:rPr lang="ko-KR" altLang="en-US" dirty="0" smtClean="0"/>
+              <a:t>성능은 비슷한 수준이지만 </a:t>
+            </a:r>
+            <a:r>
+              <a:rPr lang="en-US" altLang="ko-KR" dirty="0" smtClean="0"/>
+              <a:t>parameter</a:t>
             </a:r>
             <a:r>
               <a:rPr lang="ko-KR" altLang="en-US" dirty="0" smtClean="0"/>

--- a/SegNet_A Deep Convolutional Encoder-Decoder Architecture for Image Segmentation_논문정리.pptx
+++ b/SegNet_A Deep Convolutional Encoder-Decoder Architecture for Image Segmentation_논문정리.pptx
@@ -16,6 +16,7 @@
     <p:sldId id="267" r:id="rId10"/>
     <p:sldId id="268" r:id="rId11"/>
     <p:sldId id="269" r:id="rId12"/>
+    <p:sldId id="270" r:id="rId13"/>
   </p:sldIdLst>
   <p:sldSz cx="9144000" cy="6858000" type="screen4x3"/>
   <p:notesSz cx="6858000" cy="9144000"/>
@@ -6799,7 +6800,7 @@
           <a:p>
             <a:fld id="{76ADBC90-6130-4404-B8FE-3F165ECB9C65}" type="datetimeFigureOut">
               <a:rPr lang="ko-KR" altLang="en-US" smtClean="0"/>
-              <a:t>2020-01-08</a:t>
+              <a:t>2020-01-09</a:t>
             </a:fld>
             <a:endParaRPr lang="ko-KR" altLang="en-US"/>
           </a:p>
@@ -8849,11 +8850,7 @@
           <a:p>
             <a:r>
               <a:rPr lang="en-US" altLang="ko-KR" dirty="0" smtClean="0"/>
-              <a:t>Contributions(V</a:t>
-            </a:r>
-            <a:r>
-              <a:rPr lang="en-US" altLang="ko-KR" dirty="0" smtClean="0"/>
-              <a:t>)</a:t>
+              <a:t>Contributions(V)</a:t>
             </a:r>
             <a:endParaRPr lang="ko-KR" altLang="en-US" dirty="0"/>
           </a:p>
@@ -9249,6 +9246,209 @@
     <p:extLst>
       <p:ext uri="{BB962C8B-B14F-4D97-AF65-F5344CB8AC3E}">
         <p14:creationId xmlns:p14="http://schemas.microsoft.com/office/powerpoint/2010/main" val="753101770"/>
+      </p:ext>
+    </p:extLst>
+  </p:cSld>
+  <p:clrMapOvr>
+    <a:masterClrMapping/>
+  </p:clrMapOvr>
+  <mc:AlternateContent xmlns:mc="http://schemas.openxmlformats.org/markup-compatibility/2006" xmlns:p14="http://schemas.microsoft.com/office/powerpoint/2010/main">
+    <mc:Choice Requires="p14">
+      <p:transition p14:dur="300">
+        <p:fade/>
+      </p:transition>
+    </mc:Choice>
+    <mc:Fallback xmlns="">
+      <p:transition>
+        <p:fade/>
+      </p:transition>
+    </mc:Fallback>
+  </mc:AlternateContent>
+</p:sld>
+</file>
+
+<file path=ppt/slides/slide11.xml><?xml version="1.0" encoding="utf-8"?>
+<p:sld xmlns:a="http://schemas.openxmlformats.org/drawingml/2006/main" xmlns:r="http://schemas.openxmlformats.org/officeDocument/2006/relationships" xmlns:p="http://schemas.openxmlformats.org/presentationml/2006/main">
+  <p:cSld>
+    <p:spTree>
+      <p:nvGrpSpPr>
+        <p:cNvPr id="1" name=""/>
+        <p:cNvGrpSpPr/>
+        <p:nvPr/>
+      </p:nvGrpSpPr>
+      <p:grpSpPr>
+        <a:xfrm>
+          <a:off x="0" y="0"/>
+          <a:ext cx="0" cy="0"/>
+          <a:chOff x="0" y="0"/>
+          <a:chExt cx="0" cy="0"/>
+        </a:xfrm>
+      </p:grpSpPr>
+      <p:sp>
+        <p:nvSpPr>
+          <p:cNvPr id="4" name="텍스트 개체 틀 3"/>
+          <p:cNvSpPr>
+            <a:spLocks noGrp="1"/>
+          </p:cNvSpPr>
+          <p:nvPr>
+            <p:ph type="body" sz="quarter" idx="12"/>
+          </p:nvPr>
+        </p:nvSpPr>
+        <p:spPr/>
+        <p:txBody>
+          <a:bodyPr/>
+          <a:lstStyle/>
+          <a:p>
+            <a:r>
+              <a:rPr lang="en-US" altLang="ko-KR" dirty="0" smtClean="0"/>
+              <a:t>Contributions(V)</a:t>
+            </a:r>
+            <a:endParaRPr lang="ko-KR" altLang="en-US" dirty="0"/>
+          </a:p>
+        </p:txBody>
+      </p:sp>
+      <p:sp>
+        <p:nvSpPr>
+          <p:cNvPr id="2" name="내용 개체 틀 1"/>
+          <p:cNvSpPr>
+            <a:spLocks noGrp="1"/>
+          </p:cNvSpPr>
+          <p:nvPr>
+            <p:ph sz="half" idx="10"/>
+          </p:nvPr>
+        </p:nvSpPr>
+        <p:spPr/>
+        <p:txBody>
+          <a:bodyPr/>
+          <a:lstStyle/>
+          <a:p>
+            <a:pPr lvl="1">
+              <a:buSzPct val="100000"/>
+            </a:pPr>
+            <a:r>
+              <a:rPr lang="en-US" altLang="ko-KR" dirty="0" smtClean="0"/>
+              <a:t>Class balancing</a:t>
+            </a:r>
+            <a:endParaRPr lang="en-US" altLang="ko-KR" dirty="0" smtClean="0"/>
+          </a:p>
+          <a:p>
+            <a:pPr lvl="2">
+              <a:buSzPct val="100000"/>
+            </a:pPr>
+            <a:r>
+              <a:rPr lang="en-US" altLang="ko-KR" dirty="0" smtClean="0"/>
+              <a:t>Median frequency balancing</a:t>
+            </a:r>
+            <a:r>
+              <a:rPr lang="ko-KR" altLang="en-US" dirty="0" smtClean="0"/>
+              <a:t>으로 </a:t>
+            </a:r>
+            <a:r>
+              <a:rPr lang="en-US" altLang="ko-KR" dirty="0" smtClean="0"/>
+              <a:t>class balancing</a:t>
+            </a:r>
+            <a:r>
+              <a:rPr lang="ko-KR" altLang="en-US" dirty="0" smtClean="0"/>
+              <a:t>한 결과보다 </a:t>
+            </a:r>
+            <a:r>
+              <a:rPr lang="en-US" altLang="ko-KR" dirty="0" smtClean="0"/>
+              <a:t>balancing</a:t>
+            </a:r>
+            <a:r>
+              <a:rPr lang="ko-KR" altLang="en-US" dirty="0" smtClean="0"/>
+              <a:t>하지 않은</a:t>
+            </a:r>
+            <a:r>
+              <a:rPr lang="en-US" altLang="ko-KR" dirty="0"/>
+              <a:t> </a:t>
+            </a:r>
+            <a:r>
+              <a:rPr lang="en-US" altLang="ko-KR" dirty="0" smtClean="0"/>
+              <a:t>(Natural frequency balancing) </a:t>
+            </a:r>
+            <a:r>
+              <a:rPr lang="ko-KR" altLang="en-US" dirty="0" smtClean="0"/>
+              <a:t>결과가 현저히 낮음을 보임 </a:t>
+            </a:r>
+            <a:r>
+              <a:rPr lang="en-US" altLang="ko-KR" dirty="0" smtClean="0"/>
+              <a:t>(Global accuracy </a:t>
+            </a:r>
+            <a:r>
+              <a:rPr lang="ko-KR" altLang="en-US" dirty="0" smtClean="0"/>
+              <a:t>제외</a:t>
+            </a:r>
+            <a:r>
+              <a:rPr lang="en-US" altLang="ko-KR" dirty="0" smtClean="0"/>
+              <a:t>)</a:t>
+            </a:r>
+            <a:endParaRPr lang="en-US" altLang="ko-KR" dirty="0"/>
+          </a:p>
+          <a:p>
+            <a:pPr lvl="2">
+              <a:buSzPct val="100000"/>
+            </a:pPr>
+            <a:r>
+              <a:rPr lang="en-US" altLang="ko-KR" dirty="0" smtClean="0"/>
+              <a:t>natural frequency </a:t>
+            </a:r>
+            <a:r>
+              <a:rPr lang="en-US" altLang="ko-KR" dirty="0" smtClean="0"/>
+              <a:t>balancing</a:t>
+            </a:r>
+            <a:r>
+              <a:rPr lang="ko-KR" altLang="en-US" dirty="0" smtClean="0"/>
+              <a:t>에서 </a:t>
+            </a:r>
+            <a:r>
+              <a:rPr lang="en-US" altLang="ko-KR" dirty="0" smtClean="0"/>
+              <a:t>global accuracy</a:t>
+            </a:r>
+            <a:r>
+              <a:rPr lang="ko-KR" altLang="en-US" dirty="0" smtClean="0"/>
+              <a:t>가 높은 이유는 도로 이미지에서 하늘</a:t>
+            </a:r>
+            <a:r>
+              <a:rPr lang="en-US" altLang="ko-KR" dirty="0" smtClean="0"/>
+              <a:t>, </a:t>
+            </a:r>
+            <a:r>
+              <a:rPr lang="ko-KR" altLang="en-US" dirty="0" smtClean="0"/>
+              <a:t>도로</a:t>
+            </a:r>
+            <a:r>
+              <a:rPr lang="en-US" altLang="ko-KR" dirty="0" smtClean="0"/>
+              <a:t>, </a:t>
+            </a:r>
+            <a:r>
+              <a:rPr lang="ko-KR" altLang="en-US" dirty="0" smtClean="0"/>
+              <a:t>건물과 같은 크기가 큰 물체의 픽셀이 대부분을 차지하고 </a:t>
+            </a:r>
+            <a:r>
+              <a:rPr lang="ko-KR" altLang="en-US" smtClean="0"/>
+              <a:t>있기때문</a:t>
+            </a:r>
+            <a:endParaRPr lang="en-US" altLang="ko-KR" dirty="0" smtClean="0"/>
+          </a:p>
+          <a:p>
+            <a:pPr lvl="2">
+              <a:buSzPct val="100000"/>
+            </a:pPr>
+            <a:endParaRPr lang="en-US" altLang="ko-KR" dirty="0"/>
+          </a:p>
+          <a:p>
+            <a:pPr lvl="1">
+              <a:buSzPct val="100000"/>
+            </a:pPr>
+            <a:endParaRPr lang="ko-KR" altLang="en-US" dirty="0"/>
+          </a:p>
+        </p:txBody>
+      </p:sp>
+    </p:spTree>
+    <p:extLst>
+      <p:ext uri="{BB962C8B-B14F-4D97-AF65-F5344CB8AC3E}">
+        <p14:creationId xmlns:p14="http://schemas.microsoft.com/office/powerpoint/2010/main" val="2780597820"/>
       </p:ext>
     </p:extLst>
   </p:cSld>
@@ -11842,11 +12042,7 @@
             </a:r>
             <a:r>
               <a:rPr lang="ko-KR" altLang="en-US" dirty="0" smtClean="0"/>
-              <a:t>변화 </a:t>
-            </a:r>
-            <a:r>
-              <a:rPr lang="ko-KR" altLang="en-US" dirty="0" smtClean="0"/>
-              <a:t>결과</a:t>
+              <a:t>변화 결과</a:t>
             </a:r>
             <a:endParaRPr lang="en-US" altLang="ko-KR" dirty="0" smtClean="0"/>
           </a:p>
@@ -11906,11 +12102,7 @@
             </a:pPr>
             <a:r>
               <a:rPr lang="en-US" altLang="ko-KR" dirty="0" smtClean="0"/>
-              <a:t>C : Class </a:t>
-            </a:r>
-            <a:r>
-              <a:rPr lang="en-US" altLang="ko-KR" dirty="0" smtClean="0"/>
-              <a:t>accuracy – </a:t>
+              <a:t>C : Class accuracy – </a:t>
             </a:r>
             <a:r>
               <a:rPr lang="ko-KR" altLang="en-US" dirty="0" smtClean="0"/>
@@ -11945,11 +12137,7 @@
             </a:pPr>
             <a:r>
               <a:rPr lang="en-US" altLang="ko-KR" dirty="0" smtClean="0"/>
-              <a:t>BF : Semantic contour </a:t>
-            </a:r>
-            <a:r>
-              <a:rPr lang="en-US" altLang="ko-KR" dirty="0" smtClean="0"/>
-              <a:t>measure using F1 - score</a:t>
+              <a:t>BF : Semantic contour measure using F1 - score</a:t>
             </a:r>
           </a:p>
           <a:p>
